--- a/presentation/Sign_language.pptx
+++ b/presentation/Sign_language.pptx
@@ -33,29 +33,29 @@
   <p:notesSz cx="6858000" cy="9144000"/>
   <p:embeddedFontLst>
     <p:embeddedFont>
-      <p:font typeface="Didact Gothic" panose="00000500000000000000" pitchFamily="2" charset="0"/>
+      <p:font typeface="Didact Gothic" pitchFamily="2" charset="0"/>
       <p:regular r:id="rId23"/>
     </p:embeddedFont>
     <p:embeddedFont>
-      <p:font typeface="Julius Sans One" panose="020B0604020202020204" charset="0"/>
+      <p:font typeface="Julius Sans One" panose="02000000000000000000" pitchFamily="2" charset="77"/>
       <p:regular r:id="rId24"/>
     </p:embeddedFont>
     <p:embeddedFont>
-      <p:font typeface="Montserrat" panose="00000500000000000000" pitchFamily="2" charset="0"/>
+      <p:font typeface="Montserrat" pitchFamily="2" charset="77"/>
       <p:regular r:id="rId25"/>
       <p:bold r:id="rId26"/>
       <p:italic r:id="rId27"/>
       <p:boldItalic r:id="rId28"/>
     </p:embeddedFont>
     <p:embeddedFont>
-      <p:font typeface="Proxima Nova" panose="020B0604020202020204" charset="0"/>
+      <p:font typeface="Proxima Nova" panose="02000506030000020004" pitchFamily="2" charset="0"/>
       <p:regular r:id="rId29"/>
       <p:bold r:id="rId30"/>
       <p:italic r:id="rId31"/>
       <p:boldItalic r:id="rId32"/>
     </p:embeddedFont>
     <p:embeddedFont>
-      <p:font typeface="Questrial" pitchFamily="2" charset="0"/>
+      <p:font typeface="Questrial" pitchFamily="2" charset="77"/>
       <p:regular r:id="rId33"/>
     </p:embeddedFont>
   </p:embeddedFontLst>
@@ -22339,43 +22339,6 @@
           </a:p>
         </p:txBody>
       </p:sp>
-      <p:sp>
-        <p:nvSpPr>
-          <p:cNvPr id="464" name="Google Shape;464;p67"/>
-          <p:cNvSpPr txBox="1">
-            <a:spLocks noGrp="1"/>
-          </p:cNvSpPr>
-          <p:nvPr>
-            <p:ph type="subTitle" idx="1"/>
-          </p:nvPr>
-        </p:nvSpPr>
-        <p:spPr>
-          <a:xfrm>
-            <a:off x="2065218" y="4006329"/>
-            <a:ext cx="3829200" cy="248400"/>
-          </a:xfrm>
-          <a:prstGeom prst="rect">
-            <a:avLst/>
-          </a:prstGeom>
-        </p:spPr>
-        <p:txBody>
-          <a:bodyPr spcFirstLastPara="1" wrap="square" lIns="91425" tIns="91425" rIns="91425" bIns="91425" anchor="t" anchorCtr="0">
-            <a:noAutofit/>
-          </a:bodyPr>
-          <a:lstStyle/>
-          <a:p>
-            <a:pPr algn="l"/>
-            <a:r>
-              <a:rPr lang="en-US" dirty="0">
-                <a:latin typeface="Times New Roman" panose="02020603050405020304" pitchFamily="18" charset="0"/>
-                <a:cs typeface="Times New Roman" panose="02020603050405020304" pitchFamily="18" charset="0"/>
-              </a:rPr>
-              <a:t>Name: Aryan Dahiya</a:t>
-            </a:r>
-            <a:endParaRPr lang="en-US" dirty="0"/>
-          </a:p>
-        </p:txBody>
-      </p:sp>
       <p:cxnSp>
         <p:nvCxnSpPr>
           <p:cNvPr id="465" name="Google Shape;465;p67"/>
@@ -22685,6 +22648,31 @@
           <a:p>
             <a:pPr algn="l"/>
             <a:endParaRPr lang="en-US" dirty="0"/>
+          </a:p>
+        </p:txBody>
+      </p:sp>
+      <p:sp>
+        <p:nvSpPr>
+          <p:cNvPr id="4" name="Subtitle 3">
+            <a:extLst>
+              <a:ext uri="{FF2B5EF4-FFF2-40B4-BE49-F238E27FC236}">
+                <a16:creationId xmlns:a16="http://schemas.microsoft.com/office/drawing/2014/main" id="{E119E131-E41D-0B4F-A39A-D5ADFCBD9272}"/>
+              </a:ext>
+            </a:extLst>
+          </p:cNvPr>
+          <p:cNvSpPr>
+            <a:spLocks noGrp="1"/>
+          </p:cNvSpPr>
+          <p:nvPr>
+            <p:ph type="subTitle" idx="1"/>
+          </p:nvPr>
+        </p:nvSpPr>
+        <p:spPr/>
+        <p:txBody>
+          <a:bodyPr/>
+          <a:lstStyle/>
+          <a:p>
+            <a:endParaRPr lang="en-US"/>
           </a:p>
         </p:txBody>
       </p:sp>
